--- a/15. Arquitetura de Negócio para cada Cenário.pptx
+++ b/15. Arquitetura de Negócio para cada Cenário.pptx
@@ -291,7 +291,7 @@
           <a:p>
             <a:fld id="{F6D79AB7-545D-4F22-95E4-037F68445864}" type="datetimeFigureOut">
               <a:rPr lang="pt-BR" smtClean="0"/>
-              <a:t>24/09/2020</a:t>
+              <a:t>07/10/2020</a:t>
             </a:fld>
             <a:endParaRPr lang="pt-BR"/>
           </a:p>
@@ -489,7 +489,7 @@
           <a:p>
             <a:fld id="{F6D79AB7-545D-4F22-95E4-037F68445864}" type="datetimeFigureOut">
               <a:rPr lang="pt-BR" smtClean="0"/>
-              <a:t>24/09/2020</a:t>
+              <a:t>07/10/2020</a:t>
             </a:fld>
             <a:endParaRPr lang="pt-BR"/>
           </a:p>
@@ -697,7 +697,7 @@
           <a:p>
             <a:fld id="{F6D79AB7-545D-4F22-95E4-037F68445864}" type="datetimeFigureOut">
               <a:rPr lang="pt-BR" smtClean="0"/>
-              <a:t>24/09/2020</a:t>
+              <a:t>07/10/2020</a:t>
             </a:fld>
             <a:endParaRPr lang="pt-BR"/>
           </a:p>
@@ -895,7 +895,7 @@
           <a:p>
             <a:fld id="{F6D79AB7-545D-4F22-95E4-037F68445864}" type="datetimeFigureOut">
               <a:rPr lang="pt-BR" smtClean="0"/>
-              <a:t>24/09/2020</a:t>
+              <a:t>07/10/2020</a:t>
             </a:fld>
             <a:endParaRPr lang="pt-BR"/>
           </a:p>
@@ -1170,7 +1170,7 @@
           <a:p>
             <a:fld id="{F6D79AB7-545D-4F22-95E4-037F68445864}" type="datetimeFigureOut">
               <a:rPr lang="pt-BR" smtClean="0"/>
-              <a:t>24/09/2020</a:t>
+              <a:t>07/10/2020</a:t>
             </a:fld>
             <a:endParaRPr lang="pt-BR"/>
           </a:p>
@@ -1435,7 +1435,7 @@
           <a:p>
             <a:fld id="{F6D79AB7-545D-4F22-95E4-037F68445864}" type="datetimeFigureOut">
               <a:rPr lang="pt-BR" smtClean="0"/>
-              <a:t>24/09/2020</a:t>
+              <a:t>07/10/2020</a:t>
             </a:fld>
             <a:endParaRPr lang="pt-BR"/>
           </a:p>
@@ -1847,7 +1847,7 @@
           <a:p>
             <a:fld id="{F6D79AB7-545D-4F22-95E4-037F68445864}" type="datetimeFigureOut">
               <a:rPr lang="pt-BR" smtClean="0"/>
-              <a:t>24/09/2020</a:t>
+              <a:t>07/10/2020</a:t>
             </a:fld>
             <a:endParaRPr lang="pt-BR"/>
           </a:p>
@@ -1988,7 +1988,7 @@
           <a:p>
             <a:fld id="{F6D79AB7-545D-4F22-95E4-037F68445864}" type="datetimeFigureOut">
               <a:rPr lang="pt-BR" smtClean="0"/>
-              <a:t>24/09/2020</a:t>
+              <a:t>07/10/2020</a:t>
             </a:fld>
             <a:endParaRPr lang="pt-BR"/>
           </a:p>
@@ -2101,7 +2101,7 @@
           <a:p>
             <a:fld id="{F6D79AB7-545D-4F22-95E4-037F68445864}" type="datetimeFigureOut">
               <a:rPr lang="pt-BR" smtClean="0"/>
-              <a:t>24/09/2020</a:t>
+              <a:t>07/10/2020</a:t>
             </a:fld>
             <a:endParaRPr lang="pt-BR"/>
           </a:p>
@@ -2412,7 +2412,7 @@
           <a:p>
             <a:fld id="{F6D79AB7-545D-4F22-95E4-037F68445864}" type="datetimeFigureOut">
               <a:rPr lang="pt-BR" smtClean="0"/>
-              <a:t>24/09/2020</a:t>
+              <a:t>07/10/2020</a:t>
             </a:fld>
             <a:endParaRPr lang="pt-BR"/>
           </a:p>
@@ -2700,7 +2700,7 @@
           <a:p>
             <a:fld id="{F6D79AB7-545D-4F22-95E4-037F68445864}" type="datetimeFigureOut">
               <a:rPr lang="pt-BR" smtClean="0"/>
-              <a:t>24/09/2020</a:t>
+              <a:t>07/10/2020</a:t>
             </a:fld>
             <a:endParaRPr lang="pt-BR"/>
           </a:p>
@@ -2941,7 +2941,7 @@
           <a:p>
             <a:fld id="{F6D79AB7-545D-4F22-95E4-037F68445864}" type="datetimeFigureOut">
               <a:rPr lang="pt-BR" smtClean="0"/>
-              <a:t>24/09/2020</a:t>
+              <a:t>07/10/2020</a:t>
             </a:fld>
             <a:endParaRPr lang="pt-BR"/>
           </a:p>
@@ -4871,7 +4871,7 @@
         <p:spPr>
           <a:xfrm>
             <a:off x="142708" y="471549"/>
-            <a:ext cx="7645828" cy="830997"/>
+            <a:ext cx="7645828" cy="1569660"/>
           </a:xfrm>
           <a:prstGeom prst="rect">
             <a:avLst/>
@@ -4886,7 +4886,7 @@
           <a:p>
             <a:r>
               <a:rPr lang="pt-BR" sz="4800" dirty="0"/>
-              <a:t>Cenário: Cancelar compra</a:t>
+              <a:t>Cenário: Realizar a troca do produto</a:t>
             </a:r>
           </a:p>
         </p:txBody>

--- a/15. Arquitetura de Negócio para cada Cenário.pptx
+++ b/15. Arquitetura de Negócio para cada Cenário.pptx
@@ -291,7 +291,7 @@
           <a:p>
             <a:fld id="{F6D79AB7-545D-4F22-95E4-037F68445864}" type="datetimeFigureOut">
               <a:rPr lang="pt-BR" smtClean="0"/>
-              <a:t>07/10/2020</a:t>
+              <a:t>22/10/2020</a:t>
             </a:fld>
             <a:endParaRPr lang="pt-BR"/>
           </a:p>
@@ -489,7 +489,7 @@
           <a:p>
             <a:fld id="{F6D79AB7-545D-4F22-95E4-037F68445864}" type="datetimeFigureOut">
               <a:rPr lang="pt-BR" smtClean="0"/>
-              <a:t>07/10/2020</a:t>
+              <a:t>22/10/2020</a:t>
             </a:fld>
             <a:endParaRPr lang="pt-BR"/>
           </a:p>
@@ -697,7 +697,7 @@
           <a:p>
             <a:fld id="{F6D79AB7-545D-4F22-95E4-037F68445864}" type="datetimeFigureOut">
               <a:rPr lang="pt-BR" smtClean="0"/>
-              <a:t>07/10/2020</a:t>
+              <a:t>22/10/2020</a:t>
             </a:fld>
             <a:endParaRPr lang="pt-BR"/>
           </a:p>
@@ -895,7 +895,7 @@
           <a:p>
             <a:fld id="{F6D79AB7-545D-4F22-95E4-037F68445864}" type="datetimeFigureOut">
               <a:rPr lang="pt-BR" smtClean="0"/>
-              <a:t>07/10/2020</a:t>
+              <a:t>22/10/2020</a:t>
             </a:fld>
             <a:endParaRPr lang="pt-BR"/>
           </a:p>
@@ -1170,7 +1170,7 @@
           <a:p>
             <a:fld id="{F6D79AB7-545D-4F22-95E4-037F68445864}" type="datetimeFigureOut">
               <a:rPr lang="pt-BR" smtClean="0"/>
-              <a:t>07/10/2020</a:t>
+              <a:t>22/10/2020</a:t>
             </a:fld>
             <a:endParaRPr lang="pt-BR"/>
           </a:p>
@@ -1435,7 +1435,7 @@
           <a:p>
             <a:fld id="{F6D79AB7-545D-4F22-95E4-037F68445864}" type="datetimeFigureOut">
               <a:rPr lang="pt-BR" smtClean="0"/>
-              <a:t>07/10/2020</a:t>
+              <a:t>22/10/2020</a:t>
             </a:fld>
             <a:endParaRPr lang="pt-BR"/>
           </a:p>
@@ -1847,7 +1847,7 @@
           <a:p>
             <a:fld id="{F6D79AB7-545D-4F22-95E4-037F68445864}" type="datetimeFigureOut">
               <a:rPr lang="pt-BR" smtClean="0"/>
-              <a:t>07/10/2020</a:t>
+              <a:t>22/10/2020</a:t>
             </a:fld>
             <a:endParaRPr lang="pt-BR"/>
           </a:p>
@@ -1988,7 +1988,7 @@
           <a:p>
             <a:fld id="{F6D79AB7-545D-4F22-95E4-037F68445864}" type="datetimeFigureOut">
               <a:rPr lang="pt-BR" smtClean="0"/>
-              <a:t>07/10/2020</a:t>
+              <a:t>22/10/2020</a:t>
             </a:fld>
             <a:endParaRPr lang="pt-BR"/>
           </a:p>
@@ -2101,7 +2101,7 @@
           <a:p>
             <a:fld id="{F6D79AB7-545D-4F22-95E4-037F68445864}" type="datetimeFigureOut">
               <a:rPr lang="pt-BR" smtClean="0"/>
-              <a:t>07/10/2020</a:t>
+              <a:t>22/10/2020</a:t>
             </a:fld>
             <a:endParaRPr lang="pt-BR"/>
           </a:p>
@@ -2412,7 +2412,7 @@
           <a:p>
             <a:fld id="{F6D79AB7-545D-4F22-95E4-037F68445864}" type="datetimeFigureOut">
               <a:rPr lang="pt-BR" smtClean="0"/>
-              <a:t>07/10/2020</a:t>
+              <a:t>22/10/2020</a:t>
             </a:fld>
             <a:endParaRPr lang="pt-BR"/>
           </a:p>
@@ -2700,7 +2700,7 @@
           <a:p>
             <a:fld id="{F6D79AB7-545D-4F22-95E4-037F68445864}" type="datetimeFigureOut">
               <a:rPr lang="pt-BR" smtClean="0"/>
-              <a:t>07/10/2020</a:t>
+              <a:t>22/10/2020</a:t>
             </a:fld>
             <a:endParaRPr lang="pt-BR"/>
           </a:p>
@@ -2941,7 +2941,7 @@
           <a:p>
             <a:fld id="{F6D79AB7-545D-4F22-95E4-037F68445864}" type="datetimeFigureOut">
               <a:rPr lang="pt-BR" smtClean="0"/>
-              <a:t>07/10/2020</a:t>
+              <a:t>22/10/2020</a:t>
             </a:fld>
             <a:endParaRPr lang="pt-BR"/>
           </a:p>
@@ -3555,7 +3555,7 @@
         </p:spPr>
         <p:txBody>
           <a:bodyPr>
-            <a:normAutofit fontScale="77500" lnSpcReduction="20000"/>
+            <a:normAutofit fontScale="70000" lnSpcReduction="20000"/>
           </a:bodyPr>
           <a:lstStyle/>
           <a:p>
@@ -3565,7 +3565,7 @@
             </a:pPr>
             <a:r>
               <a:rPr lang="pt-BR" dirty="0"/>
-              <a:t>Comprar o produto.</a:t>
+              <a:t>Efetuar compra do produto.</a:t>
             </a:r>
           </a:p>
           <a:p>
@@ -3575,7 +3575,7 @@
             </a:pPr>
             <a:r>
               <a:rPr lang="pt-BR" dirty="0"/>
-              <a:t>Cancelar a compra.</a:t>
+              <a:t>Cancelar compra do produto</a:t>
             </a:r>
           </a:p>
           <a:p>
@@ -3585,7 +3585,7 @@
             </a:pPr>
             <a:r>
               <a:rPr lang="pt-BR" dirty="0"/>
-              <a:t>Realizar troca do produto.</a:t>
+              <a:t>Efetuar troca do produto.</a:t>
             </a:r>
           </a:p>
         </p:txBody>
@@ -3951,7 +3951,7 @@
             <a:pPr algn="ctr"/>
             <a:r>
               <a:rPr lang="pt-BR" dirty="0"/>
-              <a:t>Efetuar a compra de um produto</a:t>
+              <a:t>Efetuar compra de um produto</a:t>
             </a:r>
           </a:p>
         </p:txBody>
@@ -4092,7 +4092,7 @@
           <a:p>
             <a:r>
               <a:rPr lang="pt-BR" sz="4800" dirty="0"/>
-              <a:t>Cenário: Comprar o produto</a:t>
+              <a:t>Cenário: Efetuar compra de produto</a:t>
             </a:r>
           </a:p>
         </p:txBody>
@@ -4474,7 +4474,7 @@
         <p:spPr>
           <a:xfrm>
             <a:off x="142708" y="471549"/>
-            <a:ext cx="7645828" cy="830997"/>
+            <a:ext cx="7645828" cy="1569660"/>
           </a:xfrm>
           <a:prstGeom prst="rect">
             <a:avLst/>
@@ -4489,7 +4489,7 @@
           <a:p>
             <a:r>
               <a:rPr lang="pt-BR" sz="4800" dirty="0"/>
-              <a:t>Cenário: Cancelar compra</a:t>
+              <a:t>Cenário: Cancelar compra do produto</a:t>
             </a:r>
           </a:p>
         </p:txBody>
@@ -4745,7 +4745,7 @@
             <a:pPr algn="ctr"/>
             <a:r>
               <a:rPr lang="pt-BR" dirty="0"/>
-              <a:t>Realizar a troca de um produto</a:t>
+              <a:t>Efetuar troca de um produto</a:t>
             </a:r>
           </a:p>
         </p:txBody>
@@ -4886,7 +4886,7 @@
           <a:p>
             <a:r>
               <a:rPr lang="pt-BR" sz="4800" dirty="0"/>
-              <a:t>Cenário: Realizar a troca do produto</a:t>
+              <a:t>Cenário: Efetuar troca do produto</a:t>
             </a:r>
           </a:p>
         </p:txBody>
@@ -4969,7 +4969,7 @@
             </a:r>
             <a:r>
               <a:rPr lang="pt-BR" sz="3600" dirty="0"/>
-              <a:t>: Efetuar a compra de um produto</a:t>
+              <a:t>: Efetuar compra de um produto</a:t>
             </a:r>
             <a:br>
               <a:rPr lang="pt-BR" sz="3600" dirty="0"/>
@@ -5138,7 +5138,7 @@
             </a:r>
             <a:r>
               <a:rPr lang="pt-BR" sz="3600" dirty="0"/>
-              <a:t>: Cancelar uma compra efetuada</a:t>
+              <a:t>: Cancelar compra do produto</a:t>
             </a:r>
             <a:br>
               <a:rPr lang="pt-BR" sz="3600" dirty="0"/>
@@ -5311,7 +5311,7 @@
             </a:r>
             <a:r>
               <a:rPr lang="pt-BR" sz="3600" dirty="0"/>
-              <a:t>: Realizar troca do produto </a:t>
+              <a:t>: Efetuar troca de um produto </a:t>
             </a:r>
             <a:br>
               <a:rPr lang="pt-BR" sz="3600" dirty="0"/>

--- a/15. Arquitetura de Negócio para cada Cenário.pptx
+++ b/15. Arquitetura de Negócio para cada Cenário.pptx
@@ -7,11 +7,8 @@
   <p:sldIdLst>
     <p:sldId id="256" r:id="rId2"/>
     <p:sldId id="257" r:id="rId3"/>
-    <p:sldId id="262" r:id="rId4"/>
-    <p:sldId id="264" r:id="rId5"/>
-    <p:sldId id="261" r:id="rId6"/>
-    <p:sldId id="263" r:id="rId7"/>
-    <p:sldId id="265" r:id="rId8"/>
+    <p:sldId id="264" r:id="rId4"/>
+    <p:sldId id="262" r:id="rId5"/>
   </p:sldIdLst>
   <p:sldSz cx="12192000" cy="6858000"/>
   <p:notesSz cx="6858000" cy="9144000"/>
@@ -120,28 +117,8 @@
 
 <file path=ppt/commentAuthors.xml><?xml version="1.0" encoding="utf-8"?>
 <p:cmAuthorLst xmlns:a="http://schemas.openxmlformats.org/drawingml/2006/main" xmlns:r="http://schemas.openxmlformats.org/officeDocument/2006/relationships" xmlns:p="http://schemas.openxmlformats.org/presentationml/2006/main">
-  <p:cmAuthor id="1" name="Usuario" initials="U" lastIdx="1" clrIdx="0">
-    <p:extLst>
-      <p:ext uri="{19B8F6BF-5375-455C-9EA6-DF929625EA0E}">
-        <p15:presenceInfo xmlns:p15="http://schemas.microsoft.com/office/powerpoint/2012/main" userId="Usuario" providerId="None"/>
-      </p:ext>
-    </p:extLst>
-  </p:cmAuthor>
+  <p:cmAuthor id="1" name="Usuario" initials="U" lastIdx="1" clrIdx="0"/>
 </p:cmAuthorLst>
-</file>
-
-<file path=ppt/comments/comment1.xml><?xml version="1.0" encoding="utf-8"?>
-<p:cmLst xmlns:a="http://schemas.openxmlformats.org/drawingml/2006/main" xmlns:r="http://schemas.openxmlformats.org/officeDocument/2006/relationships" xmlns:p="http://schemas.openxmlformats.org/presentationml/2006/main">
-  <p:cm authorId="1" dt="2020-09-02T18:12:50.424" idx="1">
-    <p:pos x="10" y="10"/>
-    <p:text/>
-    <p:extLst>
-      <p:ext uri="{C676402C-5697-4E1C-873F-D02D1690AC5C}">
-        <p15:threadingInfo xmlns:p15="http://schemas.microsoft.com/office/powerpoint/2012/main" timeZoneBias="180"/>
-      </p:ext>
-    </p:extLst>
-  </p:cm>
-</p:cmLst>
 </file>
 
 <file path=ppt/slideLayouts/slideLayout1.xml><?xml version="1.0" encoding="utf-8"?>
@@ -291,7 +268,7 @@
           <a:p>
             <a:fld id="{F6D79AB7-545D-4F22-95E4-037F68445864}" type="datetimeFigureOut">
               <a:rPr lang="pt-BR" smtClean="0"/>
-              <a:t>22/10/2020</a:t>
+              <a:t>11/11/2020</a:t>
             </a:fld>
             <a:endParaRPr lang="pt-BR"/>
           </a:p>
@@ -489,7 +466,7 @@
           <a:p>
             <a:fld id="{F6D79AB7-545D-4F22-95E4-037F68445864}" type="datetimeFigureOut">
               <a:rPr lang="pt-BR" smtClean="0"/>
-              <a:t>22/10/2020</a:t>
+              <a:t>11/11/2020</a:t>
             </a:fld>
             <a:endParaRPr lang="pt-BR"/>
           </a:p>
@@ -697,7 +674,7 @@
           <a:p>
             <a:fld id="{F6D79AB7-545D-4F22-95E4-037F68445864}" type="datetimeFigureOut">
               <a:rPr lang="pt-BR" smtClean="0"/>
-              <a:t>22/10/2020</a:t>
+              <a:t>11/11/2020</a:t>
             </a:fld>
             <a:endParaRPr lang="pt-BR"/>
           </a:p>
@@ -895,7 +872,7 @@
           <a:p>
             <a:fld id="{F6D79AB7-545D-4F22-95E4-037F68445864}" type="datetimeFigureOut">
               <a:rPr lang="pt-BR" smtClean="0"/>
-              <a:t>22/10/2020</a:t>
+              <a:t>11/11/2020</a:t>
             </a:fld>
             <a:endParaRPr lang="pt-BR"/>
           </a:p>
@@ -1170,7 +1147,7 @@
           <a:p>
             <a:fld id="{F6D79AB7-545D-4F22-95E4-037F68445864}" type="datetimeFigureOut">
               <a:rPr lang="pt-BR" smtClean="0"/>
-              <a:t>22/10/2020</a:t>
+              <a:t>11/11/2020</a:t>
             </a:fld>
             <a:endParaRPr lang="pt-BR"/>
           </a:p>
@@ -1435,7 +1412,7 @@
           <a:p>
             <a:fld id="{F6D79AB7-545D-4F22-95E4-037F68445864}" type="datetimeFigureOut">
               <a:rPr lang="pt-BR" smtClean="0"/>
-              <a:t>22/10/2020</a:t>
+              <a:t>11/11/2020</a:t>
             </a:fld>
             <a:endParaRPr lang="pt-BR"/>
           </a:p>
@@ -1847,7 +1824,7 @@
           <a:p>
             <a:fld id="{F6D79AB7-545D-4F22-95E4-037F68445864}" type="datetimeFigureOut">
               <a:rPr lang="pt-BR" smtClean="0"/>
-              <a:t>22/10/2020</a:t>
+              <a:t>11/11/2020</a:t>
             </a:fld>
             <a:endParaRPr lang="pt-BR"/>
           </a:p>
@@ -1988,7 +1965,7 @@
           <a:p>
             <a:fld id="{F6D79AB7-545D-4F22-95E4-037F68445864}" type="datetimeFigureOut">
               <a:rPr lang="pt-BR" smtClean="0"/>
-              <a:t>22/10/2020</a:t>
+              <a:t>11/11/2020</a:t>
             </a:fld>
             <a:endParaRPr lang="pt-BR"/>
           </a:p>
@@ -2101,7 +2078,7 @@
           <a:p>
             <a:fld id="{F6D79AB7-545D-4F22-95E4-037F68445864}" type="datetimeFigureOut">
               <a:rPr lang="pt-BR" smtClean="0"/>
-              <a:t>22/10/2020</a:t>
+              <a:t>11/11/2020</a:t>
             </a:fld>
             <a:endParaRPr lang="pt-BR"/>
           </a:p>
@@ -2412,7 +2389,7 @@
           <a:p>
             <a:fld id="{F6D79AB7-545D-4F22-95E4-037F68445864}" type="datetimeFigureOut">
               <a:rPr lang="pt-BR" smtClean="0"/>
-              <a:t>22/10/2020</a:t>
+              <a:t>11/11/2020</a:t>
             </a:fld>
             <a:endParaRPr lang="pt-BR"/>
           </a:p>
@@ -2700,7 +2677,7 @@
           <a:p>
             <a:fld id="{F6D79AB7-545D-4F22-95E4-037F68445864}" type="datetimeFigureOut">
               <a:rPr lang="pt-BR" smtClean="0"/>
-              <a:t>22/10/2020</a:t>
+              <a:t>11/11/2020</a:t>
             </a:fld>
             <a:endParaRPr lang="pt-BR"/>
           </a:p>
@@ -2941,7 +2918,7 @@
           <a:p>
             <a:fld id="{F6D79AB7-545D-4F22-95E4-037F68445864}" type="datetimeFigureOut">
               <a:rPr lang="pt-BR" smtClean="0"/>
-              <a:t>22/10/2020</a:t>
+              <a:t>11/11/2020</a:t>
             </a:fld>
             <a:endParaRPr lang="pt-BR"/>
           </a:p>
@@ -3517,15 +3494,17 @@
         <p:spPr>
           <a:xfrm>
             <a:off x="366012" y="365125"/>
-            <a:ext cx="3697988" cy="1638501"/>
+            <a:ext cx="5863338" cy="1638501"/>
           </a:xfrm>
         </p:spPr>
         <p:txBody>
-          <a:bodyPr/>
-          <a:lstStyle/>
-          <a:p>
-            <a:r>
-              <a:rPr lang="pt-BR" dirty="0"/>
+          <a:bodyPr>
+            <a:normAutofit/>
+          </a:bodyPr>
+          <a:lstStyle/>
+          <a:p>
+            <a:r>
+              <a:rPr lang="pt-BR" sz="4800" b="1" dirty="0"/>
               <a:t>Contexto do Negócio</a:t>
             </a:r>
           </a:p>
@@ -3575,7 +3554,7 @@
             </a:pPr>
             <a:r>
               <a:rPr lang="pt-BR" dirty="0"/>
-              <a:t>Cancelar compra do produto</a:t>
+              <a:t>Efetuar troca do produto.</a:t>
             </a:r>
           </a:p>
           <a:p>
@@ -3585,7 +3564,7 @@
             </a:pPr>
             <a:r>
               <a:rPr lang="pt-BR" dirty="0"/>
-              <a:t>Efetuar troca do produto.</a:t>
+              <a:t>Cancelar compra do produto.</a:t>
             </a:r>
           </a:p>
         </p:txBody>
@@ -3951,7 +3930,7 @@
             <a:pPr algn="ctr"/>
             <a:r>
               <a:rPr lang="pt-BR" dirty="0"/>
-              <a:t>Efetuar compra de um produto</a:t>
+              <a:t>Vender produtos</a:t>
             </a:r>
           </a:p>
         </p:txBody>
@@ -4092,7 +4071,7 @@
           <a:p>
             <a:r>
               <a:rPr lang="pt-BR" sz="4800" dirty="0"/>
-              <a:t>Cenário: Efetuar compra de produto</a:t>
+              <a:t>Cenário: Efetuar compra do produto</a:t>
             </a:r>
           </a:p>
         </p:txBody>
@@ -4348,7 +4327,7 @@
             <a:pPr algn="ctr"/>
             <a:r>
               <a:rPr lang="pt-BR" dirty="0"/>
-              <a:t>Cancelar uma compra realizada</a:t>
+              <a:t> Trocar o produto</a:t>
             </a:r>
           </a:p>
         </p:txBody>
@@ -4489,7 +4468,7 @@
           <a:p>
             <a:r>
               <a:rPr lang="pt-BR" sz="4800" dirty="0"/>
-              <a:t>Cenário: Cancelar compra do produto</a:t>
+              <a:t>Cenário: Efetuar troca do produto</a:t>
             </a:r>
           </a:p>
         </p:txBody>
@@ -4497,7 +4476,7 @@
     </p:spTree>
     <p:extLst>
       <p:ext uri="{BB962C8B-B14F-4D97-AF65-F5344CB8AC3E}">
-        <p14:creationId xmlns:p14="http://schemas.microsoft.com/office/powerpoint/2010/main" val="1961311086"/>
+        <p14:creationId xmlns:p14="http://schemas.microsoft.com/office/powerpoint/2010/main" val="554335979"/>
       </p:ext>
     </p:extLst>
   </p:cSld>
@@ -4745,7 +4724,7 @@
             <a:pPr algn="ctr"/>
             <a:r>
               <a:rPr lang="pt-BR" dirty="0"/>
-              <a:t>Efetuar troca de um produto</a:t>
+              <a:t>Cancelar uma compra realizada</a:t>
             </a:r>
           </a:p>
         </p:txBody>
@@ -4886,7 +4865,7 @@
           <a:p>
             <a:r>
               <a:rPr lang="pt-BR" sz="4800" dirty="0"/>
-              <a:t>Cenário: Efetuar troca do produto</a:t>
+              <a:t>Cenário: Cancelar compra do produto</a:t>
             </a:r>
           </a:p>
         </p:txBody>
@@ -4894,522 +4873,7 @@
     </p:spTree>
     <p:extLst>
       <p:ext uri="{BB962C8B-B14F-4D97-AF65-F5344CB8AC3E}">
-        <p14:creationId xmlns:p14="http://schemas.microsoft.com/office/powerpoint/2010/main" val="554335979"/>
-      </p:ext>
-    </p:extLst>
-  </p:cSld>
-  <p:clrMapOvr>
-    <a:masterClrMapping/>
-  </p:clrMapOvr>
-</p:sld>
-</file>
-
-<file path=ppt/slides/slide5.xml><?xml version="1.0" encoding="utf-8"?>
-<p:sld xmlns:a="http://schemas.openxmlformats.org/drawingml/2006/main" xmlns:r="http://schemas.openxmlformats.org/officeDocument/2006/relationships" xmlns:p="http://schemas.openxmlformats.org/presentationml/2006/main">
-  <p:cSld>
-    <p:spTree>
-      <p:nvGrpSpPr>
-        <p:cNvPr id="1" name=""/>
-        <p:cNvGrpSpPr/>
-        <p:nvPr/>
-      </p:nvGrpSpPr>
-      <p:grpSpPr>
-        <a:xfrm>
-          <a:off x="0" y="0"/>
-          <a:ext cx="0" cy="0"/>
-          <a:chOff x="0" y="0"/>
-          <a:chExt cx="0" cy="0"/>
-        </a:xfrm>
-      </p:grpSpPr>
-      <p:sp>
-        <p:nvSpPr>
-          <p:cNvPr id="2" name="Título 1">
-            <a:extLst>
-              <a:ext uri="{FF2B5EF4-FFF2-40B4-BE49-F238E27FC236}">
-                <a16:creationId xmlns:a16="http://schemas.microsoft.com/office/drawing/2014/main" id="{F304418F-CF89-40F1-BE4E-17CE7C1D1181}"/>
-              </a:ext>
-            </a:extLst>
-          </p:cNvPr>
-          <p:cNvSpPr>
-            <a:spLocks noGrp="1"/>
-          </p:cNvSpPr>
-          <p:nvPr>
-            <p:ph type="title"/>
-          </p:nvPr>
-        </p:nvSpPr>
-        <p:spPr>
-          <a:xfrm>
-            <a:off x="838200" y="365126"/>
-            <a:ext cx="10515600" cy="2000704"/>
-          </a:xfrm>
-        </p:spPr>
-        <p:txBody>
-          <a:bodyPr>
-            <a:noAutofit/>
-          </a:bodyPr>
-          <a:lstStyle/>
-          <a:p>
-            <a:r>
-              <a:rPr lang="pt-BR" sz="3600" b="1" dirty="0"/>
-              <a:t>Resumo</a:t>
-            </a:r>
-            <a:r>
-              <a:rPr lang="pt-BR" sz="3600" dirty="0"/>
-              <a:t> </a:t>
-            </a:r>
-            <a:br>
-              <a:rPr lang="pt-BR" sz="3600" dirty="0"/>
-            </a:br>
-            <a:br>
-              <a:rPr lang="pt-BR" sz="3600" dirty="0"/>
-            </a:br>
-            <a:r>
-              <a:rPr lang="pt-BR" sz="3600" b="1" dirty="0"/>
-              <a:t>Cenário</a:t>
-            </a:r>
-            <a:r>
-              <a:rPr lang="pt-BR" sz="3600" dirty="0"/>
-              <a:t>: Efetuar compra de um produto</a:t>
-            </a:r>
-            <a:br>
-              <a:rPr lang="pt-BR" sz="3600" dirty="0"/>
-            </a:br>
-            <a:endParaRPr lang="pt-BR" sz="3600" dirty="0"/>
-          </a:p>
-        </p:txBody>
-      </p:sp>
-      <p:sp>
-        <p:nvSpPr>
-          <p:cNvPr id="3" name="Espaço Reservado para Conteúdo 2">
-            <a:extLst>
-              <a:ext uri="{FF2B5EF4-FFF2-40B4-BE49-F238E27FC236}">
-                <a16:creationId xmlns:a16="http://schemas.microsoft.com/office/drawing/2014/main" id="{DAE3ACFF-1AAA-4413-B493-B30E8CF97E59}"/>
-              </a:ext>
-            </a:extLst>
-          </p:cNvPr>
-          <p:cNvSpPr>
-            <a:spLocks noGrp="1"/>
-          </p:cNvSpPr>
-          <p:nvPr>
-            <p:ph idx="1"/>
-          </p:nvPr>
-        </p:nvSpPr>
-        <p:spPr>
-          <a:xfrm>
-            <a:off x="838200" y="2365831"/>
-            <a:ext cx="10515600" cy="3883704"/>
-          </a:xfrm>
-        </p:spPr>
-        <p:txBody>
-          <a:bodyPr/>
-          <a:lstStyle/>
-          <a:p>
-            <a:pPr marL="0" indent="0">
-              <a:buNone/>
-            </a:pPr>
-            <a:r>
-              <a:rPr lang="pt-BR" dirty="0"/>
-              <a:t>* Nó Operacional: Recepção</a:t>
-            </a:r>
-            <a:endParaRPr lang="pt-BR" b="0" i="0" dirty="0">
-              <a:solidFill>
-                <a:srgbClr val="222222"/>
-              </a:solidFill>
-              <a:effectLst/>
-              <a:latin typeface="arial" panose="020B0604020202020204" pitchFamily="34" charset="0"/>
-            </a:endParaRPr>
-          </a:p>
-          <a:p>
-            <a:pPr marL="0" indent="0">
-              <a:buNone/>
-            </a:pPr>
-            <a:r>
-              <a:rPr lang="pt-BR" dirty="0">
-                <a:solidFill>
-                  <a:srgbClr val="222222"/>
-                </a:solidFill>
-                <a:latin typeface="arial" panose="020B0604020202020204" pitchFamily="34" charset="0"/>
-              </a:rPr>
-              <a:t>* Capacidade da recepção</a:t>
-            </a:r>
-            <a:r>
-              <a:rPr lang="pt-BR" b="0" i="0" dirty="0">
-                <a:solidFill>
-                  <a:srgbClr val="222222"/>
-                </a:solidFill>
-                <a:effectLst/>
-                <a:latin typeface="arial" panose="020B0604020202020204" pitchFamily="34" charset="0"/>
-              </a:rPr>
-              <a:t>:</a:t>
-            </a:r>
-          </a:p>
-          <a:p>
-            <a:pPr marL="0" indent="0">
-              <a:buNone/>
-            </a:pPr>
-            <a:r>
-              <a:rPr lang="pt-BR" dirty="0">
-                <a:solidFill>
-                  <a:srgbClr val="222222"/>
-                </a:solidFill>
-                <a:latin typeface="arial" panose="020B0604020202020204" pitchFamily="34" charset="0"/>
-              </a:rPr>
-              <a:t>* Permitir que o cliente escolha um ou mais produtos e efetue a compra.</a:t>
-            </a:r>
-            <a:endParaRPr lang="pt-BR" dirty="0"/>
-          </a:p>
-        </p:txBody>
-      </p:sp>
-    </p:spTree>
-    <p:extLst>
-      <p:ext uri="{BB962C8B-B14F-4D97-AF65-F5344CB8AC3E}">
-        <p14:creationId xmlns:p14="http://schemas.microsoft.com/office/powerpoint/2010/main" val="3410497914"/>
-      </p:ext>
-    </p:extLst>
-  </p:cSld>
-  <p:clrMapOvr>
-    <a:masterClrMapping/>
-  </p:clrMapOvr>
-</p:sld>
-</file>
-
-<file path=ppt/slides/slide6.xml><?xml version="1.0" encoding="utf-8"?>
-<p:sld xmlns:a="http://schemas.openxmlformats.org/drawingml/2006/main" xmlns:r="http://schemas.openxmlformats.org/officeDocument/2006/relationships" xmlns:p="http://schemas.openxmlformats.org/presentationml/2006/main">
-  <p:cSld>
-    <p:spTree>
-      <p:nvGrpSpPr>
-        <p:cNvPr id="1" name=""/>
-        <p:cNvGrpSpPr/>
-        <p:nvPr/>
-      </p:nvGrpSpPr>
-      <p:grpSpPr>
-        <a:xfrm>
-          <a:off x="0" y="0"/>
-          <a:ext cx="0" cy="0"/>
-          <a:chOff x="0" y="0"/>
-          <a:chExt cx="0" cy="0"/>
-        </a:xfrm>
-      </p:grpSpPr>
-      <p:sp>
-        <p:nvSpPr>
-          <p:cNvPr id="2" name="Título 1">
-            <a:extLst>
-              <a:ext uri="{FF2B5EF4-FFF2-40B4-BE49-F238E27FC236}">
-                <a16:creationId xmlns:a16="http://schemas.microsoft.com/office/drawing/2014/main" id="{F304418F-CF89-40F1-BE4E-17CE7C1D1181}"/>
-              </a:ext>
-            </a:extLst>
-          </p:cNvPr>
-          <p:cNvSpPr>
-            <a:spLocks noGrp="1"/>
-          </p:cNvSpPr>
-          <p:nvPr>
-            <p:ph type="title"/>
-          </p:nvPr>
-        </p:nvSpPr>
-        <p:spPr>
-          <a:xfrm>
-            <a:off x="838200" y="365126"/>
-            <a:ext cx="10515600" cy="2000704"/>
-          </a:xfrm>
-        </p:spPr>
-        <p:txBody>
-          <a:bodyPr>
-            <a:noAutofit/>
-          </a:bodyPr>
-          <a:lstStyle/>
-          <a:p>
-            <a:r>
-              <a:rPr lang="pt-BR" sz="3600" b="1" dirty="0"/>
-              <a:t>Resumo</a:t>
-            </a:r>
-            <a:r>
-              <a:rPr lang="pt-BR" sz="3600" dirty="0"/>
-              <a:t> </a:t>
-            </a:r>
-            <a:br>
-              <a:rPr lang="pt-BR" sz="3600" dirty="0"/>
-            </a:br>
-            <a:br>
-              <a:rPr lang="pt-BR" sz="3600" dirty="0"/>
-            </a:br>
-            <a:r>
-              <a:rPr lang="pt-BR" sz="3600" b="1" dirty="0"/>
-              <a:t>Cenário</a:t>
-            </a:r>
-            <a:r>
-              <a:rPr lang="pt-BR" sz="3600" dirty="0"/>
-              <a:t>: Cancelar compra do produto</a:t>
-            </a:r>
-            <a:br>
-              <a:rPr lang="pt-BR" sz="3600" dirty="0"/>
-            </a:br>
-            <a:endParaRPr lang="pt-BR" sz="3600" dirty="0"/>
-          </a:p>
-        </p:txBody>
-      </p:sp>
-      <p:sp>
-        <p:nvSpPr>
-          <p:cNvPr id="3" name="Espaço Reservado para Conteúdo 2">
-            <a:extLst>
-              <a:ext uri="{FF2B5EF4-FFF2-40B4-BE49-F238E27FC236}">
-                <a16:creationId xmlns:a16="http://schemas.microsoft.com/office/drawing/2014/main" id="{DAE3ACFF-1AAA-4413-B493-B30E8CF97E59}"/>
-              </a:ext>
-            </a:extLst>
-          </p:cNvPr>
-          <p:cNvSpPr>
-            <a:spLocks noGrp="1"/>
-          </p:cNvSpPr>
-          <p:nvPr>
-            <p:ph idx="1"/>
-          </p:nvPr>
-        </p:nvSpPr>
-        <p:spPr>
-          <a:xfrm>
-            <a:off x="838200" y="2365831"/>
-            <a:ext cx="10515600" cy="3883704"/>
-          </a:xfrm>
-        </p:spPr>
-        <p:txBody>
-          <a:bodyPr/>
-          <a:lstStyle/>
-          <a:p>
-            <a:pPr marL="0" indent="0">
-              <a:buNone/>
-            </a:pPr>
-            <a:r>
-              <a:rPr lang="pt-BR" dirty="0"/>
-              <a:t>* Nó Operacional: Recepção</a:t>
-            </a:r>
-            <a:endParaRPr lang="pt-BR" b="0" i="0" dirty="0">
-              <a:solidFill>
-                <a:srgbClr val="222222"/>
-              </a:solidFill>
-              <a:effectLst/>
-              <a:latin typeface="arial" panose="020B0604020202020204" pitchFamily="34" charset="0"/>
-            </a:endParaRPr>
-          </a:p>
-          <a:p>
-            <a:pPr marL="0" indent="0">
-              <a:buNone/>
-            </a:pPr>
-            <a:r>
-              <a:rPr lang="pt-BR" dirty="0">
-                <a:solidFill>
-                  <a:srgbClr val="222222"/>
-                </a:solidFill>
-                <a:latin typeface="arial" panose="020B0604020202020204" pitchFamily="34" charset="0"/>
-              </a:rPr>
-              <a:t>* Capacidade da </a:t>
-            </a:r>
-            <a:r>
-              <a:rPr lang="pt-BR" dirty="0"/>
-              <a:t>recepção</a:t>
-            </a:r>
-            <a:r>
-              <a:rPr lang="pt-BR" b="0" i="0" dirty="0">
-                <a:solidFill>
-                  <a:srgbClr val="222222"/>
-                </a:solidFill>
-                <a:effectLst/>
-                <a:latin typeface="arial" panose="020B0604020202020204" pitchFamily="34" charset="0"/>
-              </a:rPr>
-              <a:t>:</a:t>
-            </a:r>
-          </a:p>
-          <a:p>
-            <a:pPr marL="0" indent="0">
-              <a:buNone/>
-            </a:pPr>
-            <a:r>
-              <a:rPr lang="pt-BR" dirty="0">
-                <a:solidFill>
-                  <a:srgbClr val="222222"/>
-                </a:solidFill>
-                <a:latin typeface="arial" panose="020B0604020202020204" pitchFamily="34" charset="0"/>
-              </a:rPr>
-              <a:t>* Permitir que o cliente cancele uma compra efetuada e receba o estorno do dinheiro.</a:t>
-            </a:r>
-            <a:endParaRPr lang="pt-BR" dirty="0"/>
-          </a:p>
-        </p:txBody>
-      </p:sp>
-    </p:spTree>
-    <p:extLst>
-      <p:ext uri="{BB962C8B-B14F-4D97-AF65-F5344CB8AC3E}">
-        <p14:creationId xmlns:p14="http://schemas.microsoft.com/office/powerpoint/2010/main" val="2810632866"/>
-      </p:ext>
-    </p:extLst>
-  </p:cSld>
-  <p:clrMapOvr>
-    <a:masterClrMapping/>
-  </p:clrMapOvr>
-</p:sld>
-</file>
-
-<file path=ppt/slides/slide7.xml><?xml version="1.0" encoding="utf-8"?>
-<p:sld xmlns:a="http://schemas.openxmlformats.org/drawingml/2006/main" xmlns:r="http://schemas.openxmlformats.org/officeDocument/2006/relationships" xmlns:p="http://schemas.openxmlformats.org/presentationml/2006/main">
-  <p:cSld>
-    <p:spTree>
-      <p:nvGrpSpPr>
-        <p:cNvPr id="1" name=""/>
-        <p:cNvGrpSpPr/>
-        <p:nvPr/>
-      </p:nvGrpSpPr>
-      <p:grpSpPr>
-        <a:xfrm>
-          <a:off x="0" y="0"/>
-          <a:ext cx="0" cy="0"/>
-          <a:chOff x="0" y="0"/>
-          <a:chExt cx="0" cy="0"/>
-        </a:xfrm>
-      </p:grpSpPr>
-      <p:sp>
-        <p:nvSpPr>
-          <p:cNvPr id="2" name="Título 1">
-            <a:extLst>
-              <a:ext uri="{FF2B5EF4-FFF2-40B4-BE49-F238E27FC236}">
-                <a16:creationId xmlns:a16="http://schemas.microsoft.com/office/drawing/2014/main" id="{F304418F-CF89-40F1-BE4E-17CE7C1D1181}"/>
-              </a:ext>
-            </a:extLst>
-          </p:cNvPr>
-          <p:cNvSpPr>
-            <a:spLocks noGrp="1"/>
-          </p:cNvSpPr>
-          <p:nvPr>
-            <p:ph type="title"/>
-          </p:nvPr>
-        </p:nvSpPr>
-        <p:spPr>
-          <a:xfrm>
-            <a:off x="838200" y="365126"/>
-            <a:ext cx="10515600" cy="2000704"/>
-          </a:xfrm>
-        </p:spPr>
-        <p:txBody>
-          <a:bodyPr>
-            <a:noAutofit/>
-          </a:bodyPr>
-          <a:lstStyle/>
-          <a:p>
-            <a:r>
-              <a:rPr lang="pt-BR" sz="3600" b="1" dirty="0"/>
-              <a:t>Resumo</a:t>
-            </a:r>
-            <a:r>
-              <a:rPr lang="pt-BR" sz="3600" dirty="0"/>
-              <a:t> </a:t>
-            </a:r>
-            <a:br>
-              <a:rPr lang="pt-BR" sz="3600" dirty="0"/>
-            </a:br>
-            <a:br>
-              <a:rPr lang="pt-BR" sz="3600" dirty="0"/>
-            </a:br>
-            <a:r>
-              <a:rPr lang="pt-BR" sz="3600" b="1" dirty="0"/>
-              <a:t>Cenário</a:t>
-            </a:r>
-            <a:r>
-              <a:rPr lang="pt-BR" sz="3600" dirty="0"/>
-              <a:t>: Efetuar troca de um produto </a:t>
-            </a:r>
-            <a:br>
-              <a:rPr lang="pt-BR" sz="3600" dirty="0"/>
-            </a:br>
-            <a:endParaRPr lang="pt-BR" sz="3600" dirty="0"/>
-          </a:p>
-        </p:txBody>
-      </p:sp>
-      <p:sp>
-        <p:nvSpPr>
-          <p:cNvPr id="3" name="Espaço Reservado para Conteúdo 2">
-            <a:extLst>
-              <a:ext uri="{FF2B5EF4-FFF2-40B4-BE49-F238E27FC236}">
-                <a16:creationId xmlns:a16="http://schemas.microsoft.com/office/drawing/2014/main" id="{DAE3ACFF-1AAA-4413-B493-B30E8CF97E59}"/>
-              </a:ext>
-            </a:extLst>
-          </p:cNvPr>
-          <p:cNvSpPr>
-            <a:spLocks noGrp="1"/>
-          </p:cNvSpPr>
-          <p:nvPr>
-            <p:ph idx="1"/>
-          </p:nvPr>
-        </p:nvSpPr>
-        <p:spPr>
-          <a:xfrm>
-            <a:off x="838200" y="2365831"/>
-            <a:ext cx="10515600" cy="3883704"/>
-          </a:xfrm>
-        </p:spPr>
-        <p:txBody>
-          <a:bodyPr/>
-          <a:lstStyle/>
-          <a:p>
-            <a:pPr marL="0" indent="0">
-              <a:buNone/>
-            </a:pPr>
-            <a:r>
-              <a:rPr lang="pt-BR" dirty="0"/>
-              <a:t>* Nó Operacional: Recepção</a:t>
-            </a:r>
-            <a:endParaRPr lang="pt-BR" b="0" i="0" dirty="0">
-              <a:solidFill>
-                <a:srgbClr val="222222"/>
-              </a:solidFill>
-              <a:effectLst/>
-              <a:latin typeface="arial" panose="020B0604020202020204" pitchFamily="34" charset="0"/>
-            </a:endParaRPr>
-          </a:p>
-          <a:p>
-            <a:pPr marL="0" indent="0">
-              <a:buNone/>
-            </a:pPr>
-            <a:r>
-              <a:rPr lang="pt-BR" dirty="0">
-                <a:solidFill>
-                  <a:srgbClr val="222222"/>
-                </a:solidFill>
-                <a:latin typeface="arial" panose="020B0604020202020204" pitchFamily="34" charset="0"/>
-              </a:rPr>
-              <a:t>* Capacidade da </a:t>
-            </a:r>
-            <a:r>
-              <a:rPr lang="pt-BR" dirty="0"/>
-              <a:t>recepção</a:t>
-            </a:r>
-            <a:r>
-              <a:rPr lang="pt-BR" b="0" i="0" dirty="0">
-                <a:solidFill>
-                  <a:srgbClr val="222222"/>
-                </a:solidFill>
-                <a:effectLst/>
-                <a:latin typeface="arial" panose="020B0604020202020204" pitchFamily="34" charset="0"/>
-              </a:rPr>
-              <a:t>:</a:t>
-            </a:r>
-          </a:p>
-          <a:p>
-            <a:pPr marL="0" indent="0">
-              <a:buNone/>
-            </a:pPr>
-            <a:r>
-              <a:rPr lang="pt-BR" dirty="0">
-                <a:solidFill>
-                  <a:srgbClr val="222222"/>
-                </a:solidFill>
-                <a:latin typeface="arial" panose="020B0604020202020204" pitchFamily="34" charset="0"/>
-              </a:rPr>
-              <a:t>* Permitir que o cliente realize a troca de um produto comprado.</a:t>
-            </a:r>
-            <a:endParaRPr lang="pt-BR" dirty="0"/>
-          </a:p>
-        </p:txBody>
-      </p:sp>
-    </p:spTree>
-    <p:extLst>
-      <p:ext uri="{BB962C8B-B14F-4D97-AF65-F5344CB8AC3E}">
-        <p14:creationId xmlns:p14="http://schemas.microsoft.com/office/powerpoint/2010/main" val="3399613983"/>
+        <p14:creationId xmlns:p14="http://schemas.microsoft.com/office/powerpoint/2010/main" val="1961311086"/>
       </p:ext>
     </p:extLst>
   </p:cSld>
